--- a/Presentation_TP.pptx
+++ b/Presentation_TP.pptx
@@ -6,6 +6,7 @@
   </p:sldMasterIdLst>
   <p:sldIdLst>
     <p:sldId id="256" r:id="rId2"/>
+    <p:sldId id="257" r:id="rId3"/>
   </p:sldIdLst>
   <p:sldSz cx="12192000" cy="6858000"/>
   <p:notesSz cx="6858000" cy="9144000"/>
@@ -104,6 +105,11 @@
       </a:defRPr>
     </a:lvl9pPr>
   </p:defaultTextStyle>
+  <p:extLst>
+    <p:ext uri="{EFAFB233-063F-42B5-8137-9DF3F51BA10A}">
+      <p15:sldGuideLst xmlns:p15="http://schemas.microsoft.com/office/powerpoint/2012/main"/>
+    </p:ext>
+  </p:extLst>
 </p:presentation>
 </file>
 
@@ -157,7 +163,7 @@
           <a:noFill/>
           <a:extLst>
             <a:ext uri="{909E8E84-426E-40dd-AFC4-6F175D3DCCD1}">
-              <a14:hiddenFill xmlns:a14="http://schemas.microsoft.com/office/drawing/2010/main" xmlns="">
+              <a14:hiddenFill xmlns="" xmlns:a14="http://schemas.microsoft.com/office/drawing/2010/main">
                 <a:solidFill>
                   <a:srgbClr val="FFFFFF"/>
                 </a:solidFill>
@@ -217,7 +223,7 @@
             </a:ln>
             <a:extLst>
               <a:ext uri="{91240B29-F687-4f45-9708-019B960494DF}">
-                <a14:hiddenLine xmlns:a14="http://schemas.microsoft.com/office/drawing/2010/main" xmlns="" w="9525">
+                <a14:hiddenLine xmlns="" xmlns:a14="http://schemas.microsoft.com/office/drawing/2010/main" w="9525">
                   <a:solidFill>
                     <a:srgbClr val="000000"/>
                   </a:solidFill>
@@ -307,7 +313,7 @@
             </a:ln>
             <a:extLst>
               <a:ext uri="{91240B29-F687-4f45-9708-019B960494DF}">
-                <a14:hiddenLine xmlns:a14="http://schemas.microsoft.com/office/drawing/2010/main" xmlns="" w="9525">
+                <a14:hiddenLine xmlns="" xmlns:a14="http://schemas.microsoft.com/office/drawing/2010/main" w="9525">
                   <a:solidFill>
                     <a:srgbClr val="000000"/>
                   </a:solidFill>
@@ -397,7 +403,7 @@
             </a:ln>
             <a:extLst>
               <a:ext uri="{91240B29-F687-4f45-9708-019B960494DF}">
-                <a14:hiddenLine xmlns:a14="http://schemas.microsoft.com/office/drawing/2010/main" xmlns="" w="9525">
+                <a14:hiddenLine xmlns="" xmlns:a14="http://schemas.microsoft.com/office/drawing/2010/main" w="9525">
                   <a:solidFill>
                     <a:srgbClr val="000000"/>
                   </a:solidFill>
@@ -431,7 +437,7 @@
             </a:ln>
             <a:extLst>
               <a:ext uri="{91240B29-F687-4f45-9708-019B960494DF}">
-                <a14:hiddenLine xmlns:a14="http://schemas.microsoft.com/office/drawing/2010/main" xmlns="" w="9525">
+                <a14:hiddenLine xmlns="" xmlns:a14="http://schemas.microsoft.com/office/drawing/2010/main" w="9525">
                   <a:solidFill>
                     <a:srgbClr val="000000"/>
                   </a:solidFill>
@@ -521,7 +527,7 @@
             </a:ln>
             <a:extLst>
               <a:ext uri="{91240B29-F687-4f45-9708-019B960494DF}">
-                <a14:hiddenLine xmlns:a14="http://schemas.microsoft.com/office/drawing/2010/main" xmlns="" w="9525">
+                <a14:hiddenLine xmlns="" xmlns:a14="http://schemas.microsoft.com/office/drawing/2010/main" w="9525">
                   <a:solidFill>
                     <a:srgbClr val="000000"/>
                   </a:solidFill>
@@ -583,7 +589,7 @@
             </a:ln>
             <a:extLst>
               <a:ext uri="{91240B29-F687-4f45-9708-019B960494DF}">
-                <a14:hiddenLine xmlns:a14="http://schemas.microsoft.com/office/drawing/2010/main" xmlns="" w="9525">
+                <a14:hiddenLine xmlns="" xmlns:a14="http://schemas.microsoft.com/office/drawing/2010/main" w="9525">
                   <a:solidFill>
                     <a:srgbClr val="000000"/>
                   </a:solidFill>
@@ -645,7 +651,7 @@
             </a:ln>
             <a:extLst>
               <a:ext uri="{91240B29-F687-4f45-9708-019B960494DF}">
-                <a14:hiddenLine xmlns:a14="http://schemas.microsoft.com/office/drawing/2010/main" xmlns="" w="9525">
+                <a14:hiddenLine xmlns="" xmlns:a14="http://schemas.microsoft.com/office/drawing/2010/main" w="9525">
                   <a:solidFill>
                     <a:srgbClr val="000000"/>
                   </a:solidFill>
@@ -735,7 +741,7 @@
             </a:ln>
             <a:extLst>
               <a:ext uri="{91240B29-F687-4f45-9708-019B960494DF}">
-                <a14:hiddenLine xmlns:a14="http://schemas.microsoft.com/office/drawing/2010/main" xmlns="" w="9525">
+                <a14:hiddenLine xmlns="" xmlns:a14="http://schemas.microsoft.com/office/drawing/2010/main" w="9525">
                   <a:solidFill>
                     <a:srgbClr val="000000"/>
                   </a:solidFill>
@@ -797,7 +803,7 @@
             </a:ln>
             <a:extLst>
               <a:ext uri="{91240B29-F687-4f45-9708-019B960494DF}">
-                <a14:hiddenLine xmlns:a14="http://schemas.microsoft.com/office/drawing/2010/main" xmlns="" w="9525">
+                <a14:hiddenLine xmlns="" xmlns:a14="http://schemas.microsoft.com/office/drawing/2010/main" w="9525">
                   <a:solidFill>
                     <a:srgbClr val="000000"/>
                   </a:solidFill>
@@ -859,7 +865,7 @@
             </a:ln>
             <a:extLst>
               <a:ext uri="{91240B29-F687-4f45-9708-019B960494DF}">
-                <a14:hiddenLine xmlns:a14="http://schemas.microsoft.com/office/drawing/2010/main" xmlns="" w="9525">
+                <a14:hiddenLine xmlns="" xmlns:a14="http://schemas.microsoft.com/office/drawing/2010/main" w="9525">
                   <a:solidFill>
                     <a:srgbClr val="000000"/>
                   </a:solidFill>
@@ -949,7 +955,7 @@
             </a:ln>
             <a:extLst>
               <a:ext uri="{91240B29-F687-4f45-9708-019B960494DF}">
-                <a14:hiddenLine xmlns:a14="http://schemas.microsoft.com/office/drawing/2010/main" xmlns="" w="9525">
+                <a14:hiddenLine xmlns="" xmlns:a14="http://schemas.microsoft.com/office/drawing/2010/main" w="9525">
                   <a:solidFill>
                     <a:srgbClr val="000000"/>
                   </a:solidFill>
@@ -1039,7 +1045,7 @@
             </a:ln>
             <a:extLst>
               <a:ext uri="{91240B29-F687-4f45-9708-019B960494DF}">
-                <a14:hiddenLine xmlns:a14="http://schemas.microsoft.com/office/drawing/2010/main" xmlns="" w="9525">
+                <a14:hiddenLine xmlns="" xmlns:a14="http://schemas.microsoft.com/office/drawing/2010/main" w="9525">
                   <a:solidFill>
                     <a:srgbClr val="000000"/>
                   </a:solidFill>
@@ -1101,7 +1107,7 @@
             </a:ln>
             <a:extLst>
               <a:ext uri="{91240B29-F687-4f45-9708-019B960494DF}">
-                <a14:hiddenLine xmlns:a14="http://schemas.microsoft.com/office/drawing/2010/main" xmlns="" w="9525">
+                <a14:hiddenLine xmlns="" xmlns:a14="http://schemas.microsoft.com/office/drawing/2010/main" w="9525">
                   <a:solidFill>
                     <a:srgbClr val="000000"/>
                   </a:solidFill>
@@ -1211,7 +1217,7 @@
             </a:ln>
             <a:extLst>
               <a:ext uri="{91240B29-F687-4f45-9708-019B960494DF}">
-                <a14:hiddenLine xmlns:a14="http://schemas.microsoft.com/office/drawing/2010/main" xmlns="" w="9525">
+                <a14:hiddenLine xmlns="" xmlns:a14="http://schemas.microsoft.com/office/drawing/2010/main" w="9525">
                   <a:solidFill>
                     <a:srgbClr val="000000"/>
                   </a:solidFill>
@@ -1273,7 +1279,7 @@
             </a:ln>
             <a:extLst>
               <a:ext uri="{91240B29-F687-4f45-9708-019B960494DF}">
-                <a14:hiddenLine xmlns:a14="http://schemas.microsoft.com/office/drawing/2010/main" xmlns="" w="9525">
+                <a14:hiddenLine xmlns="" xmlns:a14="http://schemas.microsoft.com/office/drawing/2010/main" w="9525">
                   <a:solidFill>
                     <a:srgbClr val="000000"/>
                   </a:solidFill>
@@ -1363,7 +1369,7 @@
             </a:ln>
             <a:extLst>
               <a:ext uri="{91240B29-F687-4f45-9708-019B960494DF}">
-                <a14:hiddenLine xmlns:a14="http://schemas.microsoft.com/office/drawing/2010/main" xmlns="" w="9525">
+                <a14:hiddenLine xmlns="" xmlns:a14="http://schemas.microsoft.com/office/drawing/2010/main" w="9525">
                   <a:solidFill>
                     <a:srgbClr val="000000"/>
                   </a:solidFill>
@@ -1453,7 +1459,7 @@
             </a:ln>
             <a:extLst>
               <a:ext uri="{91240B29-F687-4f45-9708-019B960494DF}">
-                <a14:hiddenLine xmlns:a14="http://schemas.microsoft.com/office/drawing/2010/main" xmlns="" w="9525">
+                <a14:hiddenLine xmlns="" xmlns:a14="http://schemas.microsoft.com/office/drawing/2010/main" w="9525">
                   <a:solidFill>
                     <a:srgbClr val="000000"/>
                   </a:solidFill>
@@ -1515,7 +1521,7 @@
             </a:ln>
             <a:extLst>
               <a:ext uri="{91240B29-F687-4f45-9708-019B960494DF}">
-                <a14:hiddenLine xmlns:a14="http://schemas.microsoft.com/office/drawing/2010/main" xmlns="" w="9525">
+                <a14:hiddenLine xmlns="" xmlns:a14="http://schemas.microsoft.com/office/drawing/2010/main" w="9525">
                   <a:solidFill>
                     <a:srgbClr val="000000"/>
                   </a:solidFill>
@@ -1605,7 +1611,7 @@
             </a:ln>
             <a:extLst>
               <a:ext uri="{91240B29-F687-4f45-9708-019B960494DF}">
-                <a14:hiddenLine xmlns:a14="http://schemas.microsoft.com/office/drawing/2010/main" xmlns="" w="9525">
+                <a14:hiddenLine xmlns="" xmlns:a14="http://schemas.microsoft.com/office/drawing/2010/main" w="9525">
                   <a:solidFill>
                     <a:srgbClr val="000000"/>
                   </a:solidFill>
@@ -1695,7 +1701,7 @@
             </a:ln>
             <a:extLst>
               <a:ext uri="{91240B29-F687-4f45-9708-019B960494DF}">
-                <a14:hiddenLine xmlns:a14="http://schemas.microsoft.com/office/drawing/2010/main" xmlns="" w="9525">
+                <a14:hiddenLine xmlns="" xmlns:a14="http://schemas.microsoft.com/office/drawing/2010/main" w="9525">
                   <a:solidFill>
                     <a:srgbClr val="000000"/>
                   </a:solidFill>
@@ -1751,7 +1757,7 @@
             </a:ln>
             <a:extLst>
               <a:ext uri="{91240B29-F687-4f45-9708-019B960494DF}">
-                <a14:hiddenLine xmlns:a14="http://schemas.microsoft.com/office/drawing/2010/main" xmlns="" w="9525">
+                <a14:hiddenLine xmlns="" xmlns:a14="http://schemas.microsoft.com/office/drawing/2010/main" w="9525">
                   <a:solidFill>
                     <a:srgbClr val="000000"/>
                   </a:solidFill>
@@ -1841,7 +1847,7 @@
             </a:ln>
             <a:extLst>
               <a:ext uri="{91240B29-F687-4f45-9708-019B960494DF}">
-                <a14:hiddenLine xmlns:a14="http://schemas.microsoft.com/office/drawing/2010/main" xmlns="" w="9525">
+                <a14:hiddenLine xmlns="" xmlns:a14="http://schemas.microsoft.com/office/drawing/2010/main" w="9525">
                   <a:solidFill>
                     <a:srgbClr val="000000"/>
                   </a:solidFill>
@@ -1897,7 +1903,7 @@
             </a:ln>
             <a:extLst>
               <a:ext uri="{91240B29-F687-4f45-9708-019B960494DF}">
-                <a14:hiddenLine xmlns:a14="http://schemas.microsoft.com/office/drawing/2010/main" xmlns="" w="9525">
+                <a14:hiddenLine xmlns="" xmlns:a14="http://schemas.microsoft.com/office/drawing/2010/main" w="9525">
                   <a:solidFill>
                     <a:srgbClr val="000000"/>
                   </a:solidFill>
@@ -1987,7 +1993,7 @@
             </a:ln>
             <a:extLst>
               <a:ext uri="{91240B29-F687-4f45-9708-019B960494DF}">
-                <a14:hiddenLine xmlns:a14="http://schemas.microsoft.com/office/drawing/2010/main" xmlns="" w="9525">
+                <a14:hiddenLine xmlns="" xmlns:a14="http://schemas.microsoft.com/office/drawing/2010/main" w="9525">
                   <a:solidFill>
                     <a:srgbClr val="000000"/>
                   </a:solidFill>
@@ -2055,7 +2061,7 @@
             </a:ln>
             <a:extLst>
               <a:ext uri="{91240B29-F687-4f45-9708-019B960494DF}">
-                <a14:hiddenLine xmlns:a14="http://schemas.microsoft.com/office/drawing/2010/main" xmlns="" w="9525">
+                <a14:hiddenLine xmlns="" xmlns:a14="http://schemas.microsoft.com/office/drawing/2010/main" w="9525">
                   <a:solidFill>
                     <a:srgbClr val="000000"/>
                   </a:solidFill>
@@ -2145,7 +2151,7 @@
             </a:ln>
             <a:extLst>
               <a:ext uri="{91240B29-F687-4f45-9708-019B960494DF}">
-                <a14:hiddenLine xmlns:a14="http://schemas.microsoft.com/office/drawing/2010/main" xmlns="" w="9525">
+                <a14:hiddenLine xmlns="" xmlns:a14="http://schemas.microsoft.com/office/drawing/2010/main" w="9525">
                   <a:solidFill>
                     <a:srgbClr val="000000"/>
                   </a:solidFill>
@@ -2213,7 +2219,7 @@
             </a:ln>
             <a:extLst>
               <a:ext uri="{91240B29-F687-4f45-9708-019B960494DF}">
-                <a14:hiddenLine xmlns:a14="http://schemas.microsoft.com/office/drawing/2010/main" xmlns="" w="9525">
+                <a14:hiddenLine xmlns="" xmlns:a14="http://schemas.microsoft.com/office/drawing/2010/main" w="9525">
                   <a:solidFill>
                     <a:srgbClr val="000000"/>
                   </a:solidFill>
@@ -2303,7 +2309,7 @@
             </a:ln>
             <a:extLst>
               <a:ext uri="{91240B29-F687-4f45-9708-019B960494DF}">
-                <a14:hiddenLine xmlns:a14="http://schemas.microsoft.com/office/drawing/2010/main" xmlns="" w="9525">
+                <a14:hiddenLine xmlns="" xmlns:a14="http://schemas.microsoft.com/office/drawing/2010/main" w="9525">
                   <a:solidFill>
                     <a:srgbClr val="000000"/>
                   </a:solidFill>
@@ -2337,7 +2343,7 @@
             </a:ln>
             <a:extLst>
               <a:ext uri="{91240B29-F687-4f45-9708-019B960494DF}">
-                <a14:hiddenLine xmlns:a14="http://schemas.microsoft.com/office/drawing/2010/main" xmlns="" w="9525">
+                <a14:hiddenLine xmlns="" xmlns:a14="http://schemas.microsoft.com/office/drawing/2010/main" w="9525">
                   <a:solidFill>
                     <a:srgbClr val="000000"/>
                   </a:solidFill>
@@ -2427,7 +2433,7 @@
             </a:ln>
             <a:extLst>
               <a:ext uri="{91240B29-F687-4f45-9708-019B960494DF}">
-                <a14:hiddenLine xmlns:a14="http://schemas.microsoft.com/office/drawing/2010/main" xmlns="" w="9525">
+                <a14:hiddenLine xmlns="" xmlns:a14="http://schemas.microsoft.com/office/drawing/2010/main" w="9525">
                   <a:solidFill>
                     <a:srgbClr val="000000"/>
                   </a:solidFill>
@@ -2489,7 +2495,7 @@
             </a:ln>
             <a:extLst>
               <a:ext uri="{91240B29-F687-4f45-9708-019B960494DF}">
-                <a14:hiddenLine xmlns:a14="http://schemas.microsoft.com/office/drawing/2010/main" xmlns="" w="9525">
+                <a14:hiddenLine xmlns="" xmlns:a14="http://schemas.microsoft.com/office/drawing/2010/main" w="9525">
                   <a:solidFill>
                     <a:srgbClr val="000000"/>
                   </a:solidFill>
@@ -2551,7 +2557,7 @@
             </a:ln>
             <a:extLst>
               <a:ext uri="{91240B29-F687-4f45-9708-019B960494DF}">
-                <a14:hiddenLine xmlns:a14="http://schemas.microsoft.com/office/drawing/2010/main" xmlns="" w="9525">
+                <a14:hiddenLine xmlns="" xmlns:a14="http://schemas.microsoft.com/office/drawing/2010/main" w="9525">
                   <a:solidFill>
                     <a:srgbClr val="000000"/>
                   </a:solidFill>
@@ -2641,7 +2647,7 @@
             </a:ln>
             <a:extLst>
               <a:ext uri="{91240B29-F687-4f45-9708-019B960494DF}">
-                <a14:hiddenLine xmlns:a14="http://schemas.microsoft.com/office/drawing/2010/main" xmlns="" w="9525">
+                <a14:hiddenLine xmlns="" xmlns:a14="http://schemas.microsoft.com/office/drawing/2010/main" w="9525">
                   <a:solidFill>
                     <a:srgbClr val="000000"/>
                   </a:solidFill>
@@ -2709,7 +2715,7 @@
             </a:ln>
             <a:extLst>
               <a:ext uri="{91240B29-F687-4f45-9708-019B960494DF}">
-                <a14:hiddenLine xmlns:a14="http://schemas.microsoft.com/office/drawing/2010/main" xmlns="" w="9525">
+                <a14:hiddenLine xmlns="" xmlns:a14="http://schemas.microsoft.com/office/drawing/2010/main" w="9525">
                   <a:solidFill>
                     <a:srgbClr val="000000"/>
                   </a:solidFill>
@@ -2771,7 +2777,7 @@
             </a:ln>
             <a:extLst>
               <a:ext uri="{91240B29-F687-4f45-9708-019B960494DF}">
-                <a14:hiddenLine xmlns:a14="http://schemas.microsoft.com/office/drawing/2010/main" xmlns="" w="9525">
+                <a14:hiddenLine xmlns="" xmlns:a14="http://schemas.microsoft.com/office/drawing/2010/main" w="9525">
                   <a:solidFill>
                     <a:srgbClr val="000000"/>
                   </a:solidFill>
@@ -2861,7 +2867,7 @@
             </a:ln>
             <a:extLst>
               <a:ext uri="{91240B29-F687-4f45-9708-019B960494DF}">
-                <a14:hiddenLine xmlns:a14="http://schemas.microsoft.com/office/drawing/2010/main" xmlns="" w="9525">
+                <a14:hiddenLine xmlns="" xmlns:a14="http://schemas.microsoft.com/office/drawing/2010/main" w="9525">
                   <a:solidFill>
                     <a:srgbClr val="000000"/>
                   </a:solidFill>
@@ -2923,7 +2929,7 @@
             </a:ln>
             <a:extLst>
               <a:ext uri="{91240B29-F687-4f45-9708-019B960494DF}">
-                <a14:hiddenLine xmlns:a14="http://schemas.microsoft.com/office/drawing/2010/main" xmlns="" w="9525">
+                <a14:hiddenLine xmlns="" xmlns:a14="http://schemas.microsoft.com/office/drawing/2010/main" w="9525">
                   <a:solidFill>
                     <a:srgbClr val="000000"/>
                   </a:solidFill>
@@ -3013,7 +3019,7 @@
             </a:ln>
             <a:extLst>
               <a:ext uri="{91240B29-F687-4f45-9708-019B960494DF}">
-                <a14:hiddenLine xmlns:a14="http://schemas.microsoft.com/office/drawing/2010/main" xmlns="" w="9525">
+                <a14:hiddenLine xmlns="" xmlns:a14="http://schemas.microsoft.com/office/drawing/2010/main" w="9525">
                   <a:solidFill>
                     <a:srgbClr val="000000"/>
                   </a:solidFill>
@@ -3075,7 +3081,7 @@
             </a:ln>
             <a:extLst>
               <a:ext uri="{91240B29-F687-4f45-9708-019B960494DF}">
-                <a14:hiddenLine xmlns:a14="http://schemas.microsoft.com/office/drawing/2010/main" xmlns="" w="9525">
+                <a14:hiddenLine xmlns="" xmlns:a14="http://schemas.microsoft.com/office/drawing/2010/main" w="9525">
                   <a:solidFill>
                     <a:srgbClr val="000000"/>
                   </a:solidFill>
@@ -3165,7 +3171,7 @@
             </a:ln>
             <a:extLst>
               <a:ext uri="{91240B29-F687-4f45-9708-019B960494DF}">
-                <a14:hiddenLine xmlns:a14="http://schemas.microsoft.com/office/drawing/2010/main" xmlns="" w="9525">
+                <a14:hiddenLine xmlns="" xmlns:a14="http://schemas.microsoft.com/office/drawing/2010/main" w="9525">
                   <a:solidFill>
                     <a:srgbClr val="000000"/>
                   </a:solidFill>
@@ -3199,7 +3205,7 @@
             </a:ln>
             <a:extLst>
               <a:ext uri="{91240B29-F687-4f45-9708-019B960494DF}">
-                <a14:hiddenLine xmlns:a14="http://schemas.microsoft.com/office/drawing/2010/main" xmlns="" w="9525">
+                <a14:hiddenLine xmlns="" xmlns:a14="http://schemas.microsoft.com/office/drawing/2010/main" w="9525">
                   <a:solidFill>
                     <a:srgbClr val="000000"/>
                   </a:solidFill>
@@ -3264,7 +3270,7 @@
             </a:ln>
             <a:extLst>
               <a:ext uri="{91240B29-F687-4f45-9708-019B960494DF}">
-                <a14:hiddenLine xmlns:a14="http://schemas.microsoft.com/office/drawing/2010/main" xmlns="" w="9525">
+                <a14:hiddenLine xmlns="" xmlns:a14="http://schemas.microsoft.com/office/drawing/2010/main" w="9525">
                   <a:solidFill>
                     <a:srgbClr val="000000"/>
                   </a:solidFill>
@@ -3354,7 +3360,7 @@
             </a:ln>
             <a:extLst>
               <a:ext uri="{91240B29-F687-4f45-9708-019B960494DF}">
-                <a14:hiddenLine xmlns:a14="http://schemas.microsoft.com/office/drawing/2010/main" xmlns="" w="9525">
+                <a14:hiddenLine xmlns="" xmlns:a14="http://schemas.microsoft.com/office/drawing/2010/main" w="9525">
                   <a:solidFill>
                     <a:srgbClr val="000000"/>
                   </a:solidFill>
@@ -3416,7 +3422,7 @@
             </a:ln>
             <a:extLst>
               <a:ext uri="{91240B29-F687-4f45-9708-019B960494DF}">
-                <a14:hiddenLine xmlns:a14="http://schemas.microsoft.com/office/drawing/2010/main" xmlns="" w="9525">
+                <a14:hiddenLine xmlns="" xmlns:a14="http://schemas.microsoft.com/office/drawing/2010/main" w="9525">
                   <a:solidFill>
                     <a:srgbClr val="000000"/>
                   </a:solidFill>
@@ -3506,7 +3512,7 @@
             </a:ln>
             <a:extLst>
               <a:ext uri="{91240B29-F687-4f45-9708-019B960494DF}">
-                <a14:hiddenLine xmlns:a14="http://schemas.microsoft.com/office/drawing/2010/main" xmlns="" w="9525">
+                <a14:hiddenLine xmlns="" xmlns:a14="http://schemas.microsoft.com/office/drawing/2010/main" w="9525">
                   <a:solidFill>
                     <a:srgbClr val="000000"/>
                   </a:solidFill>
@@ -3596,7 +3602,7 @@
             </a:ln>
             <a:extLst>
               <a:ext uri="{91240B29-F687-4f45-9708-019B960494DF}">
-                <a14:hiddenLine xmlns:a14="http://schemas.microsoft.com/office/drawing/2010/main" xmlns="" w="9525">
+                <a14:hiddenLine xmlns="" xmlns:a14="http://schemas.microsoft.com/office/drawing/2010/main" w="9525">
                   <a:solidFill>
                     <a:srgbClr val="000000"/>
                   </a:solidFill>
@@ -3661,7 +3667,7 @@
             </a:ln>
             <a:extLst>
               <a:ext uri="{91240B29-F687-4f45-9708-019B960494DF}">
-                <a14:hiddenLine xmlns:a14="http://schemas.microsoft.com/office/drawing/2010/main" xmlns="" w="9525">
+                <a14:hiddenLine xmlns="" xmlns:a14="http://schemas.microsoft.com/office/drawing/2010/main" w="9525">
                   <a:solidFill>
                     <a:srgbClr val="000000"/>
                   </a:solidFill>
@@ -3723,7 +3729,7 @@
             </a:ln>
             <a:extLst>
               <a:ext uri="{91240B29-F687-4f45-9708-019B960494DF}">
-                <a14:hiddenLine xmlns:a14="http://schemas.microsoft.com/office/drawing/2010/main" xmlns="" w="9525">
+                <a14:hiddenLine xmlns="" xmlns:a14="http://schemas.microsoft.com/office/drawing/2010/main" w="9525">
                   <a:solidFill>
                     <a:srgbClr val="000000"/>
                   </a:solidFill>
@@ -3813,7 +3819,7 @@
             </a:ln>
             <a:extLst>
               <a:ext uri="{91240B29-F687-4f45-9708-019B960494DF}">
-                <a14:hiddenLine xmlns:a14="http://schemas.microsoft.com/office/drawing/2010/main" xmlns="" w="9525">
+                <a14:hiddenLine xmlns="" xmlns:a14="http://schemas.microsoft.com/office/drawing/2010/main" w="9525">
                   <a:solidFill>
                     <a:srgbClr val="000000"/>
                   </a:solidFill>
@@ -3903,7 +3909,7 @@
             </a:ln>
             <a:extLst>
               <a:ext uri="{91240B29-F687-4f45-9708-019B960494DF}">
-                <a14:hiddenLine xmlns:a14="http://schemas.microsoft.com/office/drawing/2010/main" xmlns="" w="9525">
+                <a14:hiddenLine xmlns="" xmlns:a14="http://schemas.microsoft.com/office/drawing/2010/main" w="9525">
                   <a:solidFill>
                     <a:srgbClr val="000000"/>
                   </a:solidFill>
@@ -3965,7 +3971,7 @@
             </a:ln>
             <a:extLst>
               <a:ext uri="{91240B29-F687-4f45-9708-019B960494DF}">
-                <a14:hiddenLine xmlns:a14="http://schemas.microsoft.com/office/drawing/2010/main" xmlns="" w="9525">
+                <a14:hiddenLine xmlns="" xmlns:a14="http://schemas.microsoft.com/office/drawing/2010/main" w="9525">
                   <a:solidFill>
                     <a:srgbClr val="000000"/>
                   </a:solidFill>
@@ -4085,7 +4091,7 @@
             </a:ln>
             <a:extLst>
               <a:ext uri="{91240B29-F687-4f45-9708-019B960494DF}">
-                <a14:hiddenLine xmlns:a14="http://schemas.microsoft.com/office/drawing/2010/main" xmlns="" w="9525">
+                <a14:hiddenLine xmlns="" xmlns:a14="http://schemas.microsoft.com/office/drawing/2010/main" w="9525">
                   <a:solidFill>
                     <a:srgbClr val="000000"/>
                   </a:solidFill>
@@ -4153,7 +4159,7 @@
             </a:ln>
             <a:extLst>
               <a:ext uri="{91240B29-F687-4f45-9708-019B960494DF}">
-                <a14:hiddenLine xmlns:a14="http://schemas.microsoft.com/office/drawing/2010/main" xmlns="" w="9525">
+                <a14:hiddenLine xmlns="" xmlns:a14="http://schemas.microsoft.com/office/drawing/2010/main" w="9525">
                   <a:solidFill>
                     <a:srgbClr val="000000"/>
                   </a:solidFill>
@@ -4243,7 +4249,7 @@
             </a:ln>
             <a:extLst>
               <a:ext uri="{91240B29-F687-4f45-9708-019B960494DF}">
-                <a14:hiddenLine xmlns:a14="http://schemas.microsoft.com/office/drawing/2010/main" xmlns="" w="9525">
+                <a14:hiddenLine xmlns="" xmlns:a14="http://schemas.microsoft.com/office/drawing/2010/main" w="9525">
                   <a:solidFill>
                     <a:srgbClr val="000000"/>
                   </a:solidFill>
@@ -4383,7 +4389,7 @@
           <a:p>
             <a:fld id="{48A87A34-81AB-432B-8DAE-1953F412C126}" type="datetimeFigureOut">
               <a:rPr lang="en-US" dirty="0"/>
-              <a:t>3/6/18</a:t>
+              <a:t>3/7/2018</a:t>
             </a:fld>
             <a:endParaRPr lang="en-US" dirty="0"/>
           </a:p>
@@ -4645,7 +4651,7 @@
           <a:p>
             <a:fld id="{48A87A34-81AB-432B-8DAE-1953F412C126}" type="datetimeFigureOut">
               <a:rPr lang="en-US" dirty="0"/>
-              <a:t>3/6/18</a:t>
+              <a:t>3/7/2018</a:t>
             </a:fld>
             <a:endParaRPr lang="en-US" dirty="0"/>
           </a:p>
@@ -4836,7 +4842,7 @@
           <a:p>
             <a:fld id="{48A87A34-81AB-432B-8DAE-1953F412C126}" type="datetimeFigureOut">
               <a:rPr lang="en-US" dirty="0"/>
-              <a:t>3/6/18</a:t>
+              <a:t>3/7/2018</a:t>
             </a:fld>
             <a:endParaRPr lang="en-US" dirty="0"/>
           </a:p>
@@ -5094,7 +5100,7 @@
           <a:p>
             <a:fld id="{48A87A34-81AB-432B-8DAE-1953F412C126}" type="datetimeFigureOut">
               <a:rPr lang="en-US" dirty="0"/>
-              <a:t>3/6/18</a:t>
+              <a:t>3/7/2018</a:t>
             </a:fld>
             <a:endParaRPr lang="en-US" dirty="0"/>
           </a:p>
@@ -5523,7 +5529,7 @@
           <a:p>
             <a:fld id="{48A87A34-81AB-432B-8DAE-1953F412C126}" type="datetimeFigureOut">
               <a:rPr lang="en-US" dirty="0"/>
-              <a:t>3/6/18</a:t>
+              <a:t>3/7/2018</a:t>
             </a:fld>
             <a:endParaRPr lang="en-US" dirty="0"/>
           </a:p>
@@ -6064,7 +6070,7 @@
           <a:p>
             <a:fld id="{48A87A34-81AB-432B-8DAE-1953F412C126}" type="datetimeFigureOut">
               <a:rPr lang="en-US" dirty="0"/>
-              <a:t>3/6/18</a:t>
+              <a:t>3/7/2018</a:t>
             </a:fld>
             <a:endParaRPr lang="en-US" dirty="0"/>
           </a:p>
@@ -6779,7 +6785,7 @@
           <a:p>
             <a:fld id="{48A87A34-81AB-432B-8DAE-1953F412C126}" type="datetimeFigureOut">
               <a:rPr lang="en-US" dirty="0"/>
-              <a:t>3/6/18</a:t>
+              <a:t>3/7/2018</a:t>
             </a:fld>
             <a:endParaRPr lang="en-US" dirty="0"/>
           </a:p>
@@ -6944,7 +6950,7 @@
           <a:p>
             <a:fld id="{48A87A34-81AB-432B-8DAE-1953F412C126}" type="datetimeFigureOut">
               <a:rPr lang="en-US" dirty="0"/>
-              <a:t>3/6/18</a:t>
+              <a:t>3/7/2018</a:t>
             </a:fld>
             <a:endParaRPr lang="en-US" dirty="0"/>
           </a:p>
@@ -7119,7 +7125,7 @@
           <a:p>
             <a:fld id="{48A87A34-81AB-432B-8DAE-1953F412C126}" type="datetimeFigureOut">
               <a:rPr lang="en-US" dirty="0"/>
-              <a:t>3/6/18</a:t>
+              <a:t>3/7/2018</a:t>
             </a:fld>
             <a:endParaRPr lang="en-US" dirty="0"/>
           </a:p>
@@ -7284,7 +7290,7 @@
           <a:p>
             <a:fld id="{48A87A34-81AB-432B-8DAE-1953F412C126}" type="datetimeFigureOut">
               <a:rPr lang="en-US" dirty="0"/>
-              <a:t>3/6/18</a:t>
+              <a:t>3/7/2018</a:t>
             </a:fld>
             <a:endParaRPr lang="en-US" dirty="0"/>
           </a:p>
@@ -7529,7 +7535,7 @@
           <a:p>
             <a:fld id="{48A87A34-81AB-432B-8DAE-1953F412C126}" type="datetimeFigureOut">
               <a:rPr lang="en-US" dirty="0"/>
-              <a:t>3/6/18</a:t>
+              <a:t>3/7/2018</a:t>
             </a:fld>
             <a:endParaRPr lang="en-US" dirty="0"/>
           </a:p>
@@ -7756,7 +7762,7 @@
           <a:p>
             <a:fld id="{48A87A34-81AB-432B-8DAE-1953F412C126}" type="datetimeFigureOut">
               <a:rPr lang="en-US" dirty="0"/>
-              <a:t>3/6/18</a:t>
+              <a:t>3/7/2018</a:t>
             </a:fld>
             <a:endParaRPr lang="en-US" dirty="0"/>
           </a:p>
@@ -8132,7 +8138,7 @@
           <a:p>
             <a:fld id="{48A87A34-81AB-432B-8DAE-1953F412C126}" type="datetimeFigureOut">
               <a:rPr lang="en-US" dirty="0"/>
-              <a:t>3/6/18</a:t>
+              <a:t>3/7/2018</a:t>
             </a:fld>
             <a:endParaRPr lang="en-US" dirty="0"/>
           </a:p>
@@ -8245,7 +8251,7 @@
           <a:p>
             <a:fld id="{48A87A34-81AB-432B-8DAE-1953F412C126}" type="datetimeFigureOut">
               <a:rPr lang="en-US" dirty="0"/>
-              <a:t>3/6/18</a:t>
+              <a:t>3/7/2018</a:t>
             </a:fld>
             <a:endParaRPr lang="en-US" dirty="0"/>
           </a:p>
@@ -8335,7 +8341,7 @@
           <a:p>
             <a:fld id="{48A87A34-81AB-432B-8DAE-1953F412C126}" type="datetimeFigureOut">
               <a:rPr lang="en-US" dirty="0"/>
-              <a:t>3/6/18</a:t>
+              <a:t>3/7/2018</a:t>
             </a:fld>
             <a:endParaRPr lang="en-US" dirty="0"/>
           </a:p>
@@ -8579,7 +8585,7 @@
           <a:p>
             <a:fld id="{48A87A34-81AB-432B-8DAE-1953F412C126}" type="datetimeFigureOut">
               <a:rPr lang="en-US" dirty="0"/>
-              <a:t>3/6/18</a:t>
+              <a:t>3/7/2018</a:t>
             </a:fld>
             <a:endParaRPr lang="en-US" dirty="0"/>
           </a:p>
@@ -8854,7 +8860,7 @@
           <a:p>
             <a:fld id="{48A87A34-81AB-432B-8DAE-1953F412C126}" type="datetimeFigureOut">
               <a:rPr lang="en-US" dirty="0"/>
-              <a:t>3/6/18</a:t>
+              <a:t>3/7/2018</a:t>
             </a:fld>
             <a:endParaRPr lang="en-US" dirty="0"/>
           </a:p>
@@ -8965,7 +8971,7 @@
           <a:noFill/>
           <a:extLst>
             <a:ext uri="{909E8E84-426E-40dd-AFC4-6F175D3DCCD1}">
-              <a14:hiddenFill xmlns:a14="http://schemas.microsoft.com/office/drawing/2010/main" xmlns="">
+              <a14:hiddenFill xmlns="" xmlns:a14="http://schemas.microsoft.com/office/drawing/2010/main">
                 <a:solidFill>
                   <a:srgbClr val="FFFFFF"/>
                 </a:solidFill>
@@ -9039,7 +9045,7 @@
               </a:ln>
               <a:extLst>
                 <a:ext uri="{91240B29-F687-4f45-9708-019B960494DF}">
-                  <a14:hiddenLine xmlns:a14="http://schemas.microsoft.com/office/drawing/2010/main" xmlns="" w="9525">
+                  <a14:hiddenLine xmlns="" xmlns:a14="http://schemas.microsoft.com/office/drawing/2010/main" w="9525">
                     <a:solidFill>
                       <a:srgbClr val="000000"/>
                     </a:solidFill>
@@ -9129,7 +9135,7 @@
               </a:ln>
               <a:extLst>
                 <a:ext uri="{91240B29-F687-4f45-9708-019B960494DF}">
-                  <a14:hiddenLine xmlns:a14="http://schemas.microsoft.com/office/drawing/2010/main" xmlns="" w="9525">
+                  <a14:hiddenLine xmlns="" xmlns:a14="http://schemas.microsoft.com/office/drawing/2010/main" w="9525">
                     <a:solidFill>
                       <a:srgbClr val="000000"/>
                     </a:solidFill>
@@ -9219,7 +9225,7 @@
               </a:ln>
               <a:extLst>
                 <a:ext uri="{91240B29-F687-4f45-9708-019B960494DF}">
-                  <a14:hiddenLine xmlns:a14="http://schemas.microsoft.com/office/drawing/2010/main" xmlns="" w="9525">
+                  <a14:hiddenLine xmlns="" xmlns:a14="http://schemas.microsoft.com/office/drawing/2010/main" w="9525">
                     <a:solidFill>
                       <a:srgbClr val="000000"/>
                     </a:solidFill>
@@ -9281,7 +9287,7 @@
               </a:ln>
               <a:extLst>
                 <a:ext uri="{91240B29-F687-4f45-9708-019B960494DF}">
-                  <a14:hiddenLine xmlns:a14="http://schemas.microsoft.com/office/drawing/2010/main" xmlns="" w="9525">
+                  <a14:hiddenLine xmlns="" xmlns:a14="http://schemas.microsoft.com/office/drawing/2010/main" w="9525">
                     <a:solidFill>
                       <a:srgbClr val="000000"/>
                     </a:solidFill>
@@ -9371,7 +9377,7 @@
               </a:ln>
               <a:extLst>
                 <a:ext uri="{91240B29-F687-4f45-9708-019B960494DF}">
-                  <a14:hiddenLine xmlns:a14="http://schemas.microsoft.com/office/drawing/2010/main" xmlns="" w="9525">
+                  <a14:hiddenLine xmlns="" xmlns:a14="http://schemas.microsoft.com/office/drawing/2010/main" w="9525">
                     <a:solidFill>
                       <a:srgbClr val="000000"/>
                     </a:solidFill>
@@ -9433,7 +9439,7 @@
               </a:ln>
               <a:extLst>
                 <a:ext uri="{91240B29-F687-4f45-9708-019B960494DF}">
-                  <a14:hiddenLine xmlns:a14="http://schemas.microsoft.com/office/drawing/2010/main" xmlns="" w="9525">
+                  <a14:hiddenLine xmlns="" xmlns:a14="http://schemas.microsoft.com/office/drawing/2010/main" w="9525">
                     <a:solidFill>
                       <a:srgbClr val="000000"/>
                     </a:solidFill>
@@ -9495,7 +9501,7 @@
               </a:ln>
               <a:extLst>
                 <a:ext uri="{91240B29-F687-4f45-9708-019B960494DF}">
-                  <a14:hiddenLine xmlns:a14="http://schemas.microsoft.com/office/drawing/2010/main" xmlns="" w="9525">
+                  <a14:hiddenLine xmlns="" xmlns:a14="http://schemas.microsoft.com/office/drawing/2010/main" w="9525">
                     <a:solidFill>
                       <a:srgbClr val="000000"/>
                     </a:solidFill>
@@ -9585,7 +9591,7 @@
               </a:ln>
               <a:extLst>
                 <a:ext uri="{91240B29-F687-4f45-9708-019B960494DF}">
-                  <a14:hiddenLine xmlns:a14="http://schemas.microsoft.com/office/drawing/2010/main" xmlns="" w="9525">
+                  <a14:hiddenLine xmlns="" xmlns:a14="http://schemas.microsoft.com/office/drawing/2010/main" w="9525">
                     <a:solidFill>
                       <a:srgbClr val="000000"/>
                     </a:solidFill>
@@ -9675,7 +9681,7 @@
               </a:ln>
               <a:extLst>
                 <a:ext uri="{91240B29-F687-4f45-9708-019B960494DF}">
-                  <a14:hiddenLine xmlns:a14="http://schemas.microsoft.com/office/drawing/2010/main" xmlns="" w="9525">
+                  <a14:hiddenLine xmlns="" xmlns:a14="http://schemas.microsoft.com/office/drawing/2010/main" w="9525">
                     <a:solidFill>
                       <a:srgbClr val="000000"/>
                     </a:solidFill>
@@ -9737,7 +9743,7 @@
               </a:ln>
               <a:extLst>
                 <a:ext uri="{91240B29-F687-4f45-9708-019B960494DF}">
-                  <a14:hiddenLine xmlns:a14="http://schemas.microsoft.com/office/drawing/2010/main" xmlns="" w="9525">
+                  <a14:hiddenLine xmlns="" xmlns:a14="http://schemas.microsoft.com/office/drawing/2010/main" w="9525">
                     <a:solidFill>
                       <a:srgbClr val="000000"/>
                     </a:solidFill>
@@ -9847,7 +9853,7 @@
               </a:ln>
               <a:extLst>
                 <a:ext uri="{91240B29-F687-4f45-9708-019B960494DF}">
-                  <a14:hiddenLine xmlns:a14="http://schemas.microsoft.com/office/drawing/2010/main" xmlns="" w="9525">
+                  <a14:hiddenLine xmlns="" xmlns:a14="http://schemas.microsoft.com/office/drawing/2010/main" w="9525">
                     <a:solidFill>
                       <a:srgbClr val="000000"/>
                     </a:solidFill>
@@ -9931,7 +9937,7 @@
               </a:ln>
               <a:extLst>
                 <a:ext uri="{91240B29-F687-4f45-9708-019B960494DF}">
-                  <a14:hiddenLine xmlns:a14="http://schemas.microsoft.com/office/drawing/2010/main" xmlns="" w="9525">
+                  <a14:hiddenLine xmlns="" xmlns:a14="http://schemas.microsoft.com/office/drawing/2010/main" w="9525">
                     <a:solidFill>
                       <a:srgbClr val="000000"/>
                     </a:solidFill>
@@ -9993,7 +9999,7 @@
               </a:ln>
               <a:extLst>
                 <a:ext uri="{91240B29-F687-4f45-9708-019B960494DF}">
-                  <a14:hiddenLine xmlns:a14="http://schemas.microsoft.com/office/drawing/2010/main" xmlns="" w="9525">
+                  <a14:hiddenLine xmlns="" xmlns:a14="http://schemas.microsoft.com/office/drawing/2010/main" w="9525">
                     <a:solidFill>
                       <a:srgbClr val="000000"/>
                     </a:solidFill>
@@ -10055,7 +10061,7 @@
               </a:ln>
               <a:extLst>
                 <a:ext uri="{91240B29-F687-4f45-9708-019B960494DF}">
-                  <a14:hiddenLine xmlns:a14="http://schemas.microsoft.com/office/drawing/2010/main" xmlns="" w="9525">
+                  <a14:hiddenLine xmlns="" xmlns:a14="http://schemas.microsoft.com/office/drawing/2010/main" w="9525">
                     <a:solidFill>
                       <a:srgbClr val="000000"/>
                     </a:solidFill>
@@ -10145,7 +10151,7 @@
               </a:ln>
               <a:extLst>
                 <a:ext uri="{91240B29-F687-4f45-9708-019B960494DF}">
-                  <a14:hiddenLine xmlns:a14="http://schemas.microsoft.com/office/drawing/2010/main" xmlns="" w="9525">
+                  <a14:hiddenLine xmlns="" xmlns:a14="http://schemas.microsoft.com/office/drawing/2010/main" w="9525">
                     <a:solidFill>
                       <a:srgbClr val="000000"/>
                     </a:solidFill>
@@ -10179,7 +10185,7 @@
               </a:ln>
               <a:extLst>
                 <a:ext uri="{91240B29-F687-4f45-9708-019B960494DF}">
-                  <a14:hiddenLine xmlns:a14="http://schemas.microsoft.com/office/drawing/2010/main" xmlns="" w="9525">
+                  <a14:hiddenLine xmlns="" xmlns:a14="http://schemas.microsoft.com/office/drawing/2010/main" w="9525">
                     <a:solidFill>
                       <a:srgbClr val="000000"/>
                     </a:solidFill>
@@ -10244,7 +10250,7 @@
               </a:ln>
               <a:extLst>
                 <a:ext uri="{91240B29-F687-4f45-9708-019B960494DF}">
-                  <a14:hiddenLine xmlns:a14="http://schemas.microsoft.com/office/drawing/2010/main" xmlns="" w="9525">
+                  <a14:hiddenLine xmlns="" xmlns:a14="http://schemas.microsoft.com/office/drawing/2010/main" w="9525">
                     <a:solidFill>
                       <a:srgbClr val="000000"/>
                     </a:solidFill>
@@ -10334,7 +10340,7 @@
               </a:ln>
               <a:extLst>
                 <a:ext uri="{91240B29-F687-4f45-9708-019B960494DF}">
-                  <a14:hiddenLine xmlns:a14="http://schemas.microsoft.com/office/drawing/2010/main" xmlns="" w="9525">
+                  <a14:hiddenLine xmlns="" xmlns:a14="http://schemas.microsoft.com/office/drawing/2010/main" w="9525">
                     <a:solidFill>
                       <a:srgbClr val="000000"/>
                     </a:solidFill>
@@ -10396,7 +10402,7 @@
               </a:ln>
               <a:extLst>
                 <a:ext uri="{91240B29-F687-4f45-9708-019B960494DF}">
-                  <a14:hiddenLine xmlns:a14="http://schemas.microsoft.com/office/drawing/2010/main" xmlns="" w="9525">
+                  <a14:hiddenLine xmlns="" xmlns:a14="http://schemas.microsoft.com/office/drawing/2010/main" w="9525">
                     <a:solidFill>
                       <a:srgbClr val="000000"/>
                     </a:solidFill>
@@ -10486,7 +10492,7 @@
               </a:ln>
               <a:extLst>
                 <a:ext uri="{91240B29-F687-4f45-9708-019B960494DF}">
-                  <a14:hiddenLine xmlns:a14="http://schemas.microsoft.com/office/drawing/2010/main" xmlns="" w="9525">
+                  <a14:hiddenLine xmlns="" xmlns:a14="http://schemas.microsoft.com/office/drawing/2010/main" w="9525">
                     <a:solidFill>
                       <a:srgbClr val="000000"/>
                     </a:solidFill>
@@ -10551,7 +10557,7 @@
               </a:ln>
               <a:extLst>
                 <a:ext uri="{91240B29-F687-4f45-9708-019B960494DF}">
-                  <a14:hiddenLine xmlns:a14="http://schemas.microsoft.com/office/drawing/2010/main" xmlns="" w="9525">
+                  <a14:hiddenLine xmlns="" xmlns:a14="http://schemas.microsoft.com/office/drawing/2010/main" w="9525">
                     <a:solidFill>
                       <a:srgbClr val="000000"/>
                     </a:solidFill>
@@ -10613,7 +10619,7 @@
               </a:ln>
               <a:extLst>
                 <a:ext uri="{91240B29-F687-4f45-9708-019B960494DF}">
-                  <a14:hiddenLine xmlns:a14="http://schemas.microsoft.com/office/drawing/2010/main" xmlns="" w="9525">
+                  <a14:hiddenLine xmlns="" xmlns:a14="http://schemas.microsoft.com/office/drawing/2010/main" w="9525">
                     <a:solidFill>
                       <a:srgbClr val="000000"/>
                     </a:solidFill>
@@ -10703,7 +10709,7 @@
               </a:ln>
               <a:extLst>
                 <a:ext uri="{91240B29-F687-4f45-9708-019B960494DF}">
-                  <a14:hiddenLine xmlns:a14="http://schemas.microsoft.com/office/drawing/2010/main" xmlns="" w="9525">
+                  <a14:hiddenLine xmlns="" xmlns:a14="http://schemas.microsoft.com/office/drawing/2010/main" w="9525">
                     <a:solidFill>
                       <a:srgbClr val="000000"/>
                     </a:solidFill>
@@ -10793,7 +10799,7 @@
               </a:ln>
               <a:extLst>
                 <a:ext uri="{91240B29-F687-4f45-9708-019B960494DF}">
-                  <a14:hiddenLine xmlns:a14="http://schemas.microsoft.com/office/drawing/2010/main" xmlns="" w="9525">
+                  <a14:hiddenLine xmlns="" xmlns:a14="http://schemas.microsoft.com/office/drawing/2010/main" w="9525">
                     <a:solidFill>
                       <a:srgbClr val="000000"/>
                     </a:solidFill>
@@ -10858,7 +10864,7 @@
               </a:ln>
               <a:extLst>
                 <a:ext uri="{91240B29-F687-4f45-9708-019B960494DF}">
-                  <a14:hiddenLine xmlns:a14="http://schemas.microsoft.com/office/drawing/2010/main" xmlns="" w="9525">
+                  <a14:hiddenLine xmlns="" xmlns:a14="http://schemas.microsoft.com/office/drawing/2010/main" w="9525">
                     <a:solidFill>
                       <a:srgbClr val="000000"/>
                     </a:solidFill>
@@ -10978,7 +10984,7 @@
               </a:ln>
               <a:extLst>
                 <a:ext uri="{91240B29-F687-4f45-9708-019B960494DF}">
-                  <a14:hiddenLine xmlns:a14="http://schemas.microsoft.com/office/drawing/2010/main" xmlns="" w="9525">
+                  <a14:hiddenLine xmlns="" xmlns:a14="http://schemas.microsoft.com/office/drawing/2010/main" w="9525">
                     <a:solidFill>
                       <a:srgbClr val="000000"/>
                     </a:solidFill>
@@ -11076,7 +11082,7 @@
               </a:ln>
               <a:extLst>
                 <a:ext uri="{91240B29-F687-4f45-9708-019B960494DF}">
-                  <a14:hiddenLine xmlns:a14="http://schemas.microsoft.com/office/drawing/2010/main" xmlns="" w="9525">
+                  <a14:hiddenLine xmlns="" xmlns:a14="http://schemas.microsoft.com/office/drawing/2010/main" w="9525">
                     <a:solidFill>
                       <a:srgbClr val="000000"/>
                     </a:solidFill>
@@ -11191,7 +11197,7 @@
               </a:ln>
               <a:extLst>
                 <a:ext uri="{91240B29-F687-4f45-9708-019B960494DF}">
-                  <a14:hiddenLine xmlns:a14="http://schemas.microsoft.com/office/drawing/2010/main" xmlns="" w="9525">
+                  <a14:hiddenLine xmlns="" xmlns:a14="http://schemas.microsoft.com/office/drawing/2010/main" w="9525">
                     <a:solidFill>
                       <a:srgbClr val="000000"/>
                     </a:solidFill>
@@ -11281,7 +11287,7 @@
               </a:ln>
               <a:extLst>
                 <a:ext uri="{91240B29-F687-4f45-9708-019B960494DF}">
-                  <a14:hiddenLine xmlns:a14="http://schemas.microsoft.com/office/drawing/2010/main" xmlns="" w="9525">
+                  <a14:hiddenLine xmlns="" xmlns:a14="http://schemas.microsoft.com/office/drawing/2010/main" w="9525">
                     <a:solidFill>
                       <a:srgbClr val="000000"/>
                     </a:solidFill>
@@ -11346,7 +11352,7 @@
               </a:ln>
               <a:extLst>
                 <a:ext uri="{91240B29-F687-4f45-9708-019B960494DF}">
-                  <a14:hiddenLine xmlns:a14="http://schemas.microsoft.com/office/drawing/2010/main" xmlns="" w="9525">
+                  <a14:hiddenLine xmlns="" xmlns:a14="http://schemas.microsoft.com/office/drawing/2010/main" w="9525">
                     <a:solidFill>
                       <a:srgbClr val="000000"/>
                     </a:solidFill>
@@ -11436,7 +11442,7 @@
               </a:ln>
               <a:extLst>
                 <a:ext uri="{91240B29-F687-4f45-9708-019B960494DF}">
-                  <a14:hiddenLine xmlns:a14="http://schemas.microsoft.com/office/drawing/2010/main" xmlns="" w="9525">
+                  <a14:hiddenLine xmlns="" xmlns:a14="http://schemas.microsoft.com/office/drawing/2010/main" w="9525">
                     <a:solidFill>
                       <a:srgbClr val="000000"/>
                     </a:solidFill>
@@ -11504,7 +11510,7 @@
               </a:ln>
               <a:extLst>
                 <a:ext uri="{91240B29-F687-4f45-9708-019B960494DF}">
-                  <a14:hiddenLine xmlns:a14="http://schemas.microsoft.com/office/drawing/2010/main" xmlns="" w="9525">
+                  <a14:hiddenLine xmlns="" xmlns:a14="http://schemas.microsoft.com/office/drawing/2010/main" w="9525">
                     <a:solidFill>
                       <a:srgbClr val="000000"/>
                     </a:solidFill>
@@ -11594,7 +11600,7 @@
               </a:ln>
               <a:extLst>
                 <a:ext uri="{91240B29-F687-4f45-9708-019B960494DF}">
-                  <a14:hiddenLine xmlns:a14="http://schemas.microsoft.com/office/drawing/2010/main" xmlns="" w="9525">
+                  <a14:hiddenLine xmlns="" xmlns:a14="http://schemas.microsoft.com/office/drawing/2010/main" w="9525">
                     <a:solidFill>
                       <a:srgbClr val="000000"/>
                     </a:solidFill>
@@ -11662,7 +11668,7 @@
               </a:ln>
               <a:extLst>
                 <a:ext uri="{91240B29-F687-4f45-9708-019B960494DF}">
-                  <a14:hiddenLine xmlns:a14="http://schemas.microsoft.com/office/drawing/2010/main" xmlns="" w="9525">
+                  <a14:hiddenLine xmlns="" xmlns:a14="http://schemas.microsoft.com/office/drawing/2010/main" w="9525">
                     <a:solidFill>
                       <a:srgbClr val="000000"/>
                     </a:solidFill>
@@ -11752,7 +11758,7 @@
               </a:ln>
               <a:extLst>
                 <a:ext uri="{91240B29-F687-4f45-9708-019B960494DF}">
-                  <a14:hiddenLine xmlns:a14="http://schemas.microsoft.com/office/drawing/2010/main" xmlns="" w="9525">
+                  <a14:hiddenLine xmlns="" xmlns:a14="http://schemas.microsoft.com/office/drawing/2010/main" w="9525">
                     <a:solidFill>
                       <a:srgbClr val="000000"/>
                     </a:solidFill>
@@ -11786,7 +11792,7 @@
               </a:ln>
               <a:extLst>
                 <a:ext uri="{91240B29-F687-4f45-9708-019B960494DF}">
-                  <a14:hiddenLine xmlns:a14="http://schemas.microsoft.com/office/drawing/2010/main" xmlns="" w="9525">
+                  <a14:hiddenLine xmlns="" xmlns:a14="http://schemas.microsoft.com/office/drawing/2010/main" w="9525">
                     <a:solidFill>
                       <a:srgbClr val="000000"/>
                     </a:solidFill>
@@ -11927,7 +11933,7 @@
             <a:fld id="{48A87A34-81AB-432B-8DAE-1953F412C126}" type="datetimeFigureOut">
               <a:rPr lang="en-US" dirty="0"/>
               <a:pPr/>
-              <a:t>3/6/18</a:t>
+              <a:t>3/7/2018</a:t>
             </a:fld>
             <a:endParaRPr lang="en-US" dirty="0"/>
           </a:p>
@@ -12376,12 +12382,26 @@
             <p:ph type="subTitle" idx="1"/>
           </p:nvPr>
         </p:nvSpPr>
-        <p:spPr/>
+        <p:spPr>
+          <a:xfrm>
+            <a:off x="1876424" y="3602037"/>
+            <a:ext cx="8791575" cy="2438277"/>
+          </a:xfrm>
+        </p:spPr>
         <p:txBody>
           <a:bodyPr>
             <a:normAutofit/>
           </a:bodyPr>
           <a:lstStyle/>
+          <a:p>
+            <a:r>
+              <a:rPr lang="en-US" dirty="0" smtClean="0"/>
+              <a:t>An easy to use household finances management</a:t>
+            </a:r>
+          </a:p>
+          <a:p>
+            <a:endParaRPr lang="en-US" dirty="0"/>
+          </a:p>
           <a:p>
             <a:r>
               <a:rPr lang="en-US" dirty="0" smtClean="0"/>
@@ -12407,15 +12427,7 @@
           <a:p>
             <a:r>
               <a:rPr lang="en-US" dirty="0" smtClean="0"/>
-              <a:t>					</a:t>
-            </a:r>
-            <a:r>
-              <a:rPr lang="en-US" smtClean="0"/>
-              <a:t>	JAC, ipd-12, </a:t>
-            </a:r>
-            <a:r>
-              <a:rPr lang="en-US" dirty="0" smtClean="0"/>
-              <a:t>March 2018</a:t>
+              <a:t>						JAC, ipd-12, March 2018</a:t>
             </a:r>
             <a:endParaRPr lang="en-US" dirty="0"/>
           </a:p>
@@ -12425,6 +12437,74 @@
     <p:extLst>
       <p:ext uri="{BB962C8B-B14F-4D97-AF65-F5344CB8AC3E}">
         <p14:creationId xmlns:p14="http://schemas.microsoft.com/office/powerpoint/2010/main" val="1169633824"/>
+      </p:ext>
+    </p:extLst>
+  </p:cSld>
+  <p:clrMapOvr>
+    <a:masterClrMapping/>
+  </p:clrMapOvr>
+</p:sld>
+</file>
+
+<file path=ppt/slides/slide2.xml><?xml version="1.0" encoding="utf-8"?>
+<p:sld xmlns:a="http://schemas.openxmlformats.org/drawingml/2006/main" xmlns:r="http://schemas.openxmlformats.org/officeDocument/2006/relationships" xmlns:p="http://schemas.openxmlformats.org/presentationml/2006/main">
+  <p:cSld>
+    <p:spTree>
+      <p:nvGrpSpPr>
+        <p:cNvPr id="1" name=""/>
+        <p:cNvGrpSpPr/>
+        <p:nvPr/>
+      </p:nvGrpSpPr>
+      <p:grpSpPr>
+        <a:xfrm>
+          <a:off x="0" y="0"/>
+          <a:ext cx="0" cy="0"/>
+          <a:chOff x="0" y="0"/>
+          <a:chExt cx="0" cy="0"/>
+        </a:xfrm>
+      </p:grpSpPr>
+      <p:sp>
+        <p:nvSpPr>
+          <p:cNvPr id="2" name="Title 1"/>
+          <p:cNvSpPr>
+            <a:spLocks noGrp="1"/>
+          </p:cNvSpPr>
+          <p:nvPr>
+            <p:ph type="title"/>
+          </p:nvPr>
+        </p:nvSpPr>
+        <p:spPr/>
+        <p:txBody>
+          <a:bodyPr/>
+          <a:lstStyle/>
+          <a:p>
+            <a:endParaRPr lang="en-US"/>
+          </a:p>
+        </p:txBody>
+      </p:sp>
+      <p:sp>
+        <p:nvSpPr>
+          <p:cNvPr id="3" name="Content Placeholder 2"/>
+          <p:cNvSpPr>
+            <a:spLocks noGrp="1"/>
+          </p:cNvSpPr>
+          <p:nvPr>
+            <p:ph idx="1"/>
+          </p:nvPr>
+        </p:nvSpPr>
+        <p:spPr/>
+        <p:txBody>
+          <a:bodyPr/>
+          <a:lstStyle/>
+          <a:p>
+            <a:endParaRPr lang="en-US"/>
+          </a:p>
+        </p:txBody>
+      </p:sp>
+    </p:spTree>
+    <p:extLst>
+      <p:ext uri="{BB962C8B-B14F-4D97-AF65-F5344CB8AC3E}">
+        <p14:creationId xmlns:p14="http://schemas.microsoft.com/office/powerpoint/2010/main" val="3498266405"/>
       </p:ext>
     </p:extLst>
   </p:cSld>
